--- a/Tesst.pptx
+++ b/Tesst.pptx
@@ -10,7 +10,8 @@
     <p:sldId id="258" r:id="rId4"/>
     <p:sldId id="259" r:id="rId5"/>
     <p:sldId id="260" r:id="rId6"/>
-    <p:sldId id="261" r:id="rId7"/>
+    <p:sldId id="263" r:id="rId7"/>
+    <p:sldId id="264" r:id="rId8"/>
   </p:sldIdLst>
   <p:sldSz cx="12192000" cy="6858000"/>
   <p:notesSz cx="6858000" cy="9144000"/>
@@ -275,7 +276,7 @@
           <a:p>
             <a:fld id="{BA9F10B1-9C56-4BE2-B32D-67EA15369E05}" type="datetimeFigureOut">
               <a:rPr lang="de-DE" smtClean="0"/>
-              <a:t>07.03.2024</a:t>
+              <a:t>21.03.2024</a:t>
             </a:fld>
             <a:endParaRPr lang="de-DE"/>
           </a:p>
@@ -473,7 +474,7 @@
           <a:p>
             <a:fld id="{BA9F10B1-9C56-4BE2-B32D-67EA15369E05}" type="datetimeFigureOut">
               <a:rPr lang="de-DE" smtClean="0"/>
-              <a:t>07.03.2024</a:t>
+              <a:t>21.03.2024</a:t>
             </a:fld>
             <a:endParaRPr lang="de-DE"/>
           </a:p>
@@ -681,7 +682,7 @@
           <a:p>
             <a:fld id="{BA9F10B1-9C56-4BE2-B32D-67EA15369E05}" type="datetimeFigureOut">
               <a:rPr lang="de-DE" smtClean="0"/>
-              <a:t>07.03.2024</a:t>
+              <a:t>21.03.2024</a:t>
             </a:fld>
             <a:endParaRPr lang="de-DE"/>
           </a:p>
@@ -879,7 +880,7 @@
           <a:p>
             <a:fld id="{BA9F10B1-9C56-4BE2-B32D-67EA15369E05}" type="datetimeFigureOut">
               <a:rPr lang="de-DE" smtClean="0"/>
-              <a:t>07.03.2024</a:t>
+              <a:t>21.03.2024</a:t>
             </a:fld>
             <a:endParaRPr lang="de-DE"/>
           </a:p>
@@ -1154,7 +1155,7 @@
           <a:p>
             <a:fld id="{BA9F10B1-9C56-4BE2-B32D-67EA15369E05}" type="datetimeFigureOut">
               <a:rPr lang="de-DE" smtClean="0"/>
-              <a:t>07.03.2024</a:t>
+              <a:t>21.03.2024</a:t>
             </a:fld>
             <a:endParaRPr lang="de-DE"/>
           </a:p>
@@ -1419,7 +1420,7 @@
           <a:p>
             <a:fld id="{BA9F10B1-9C56-4BE2-B32D-67EA15369E05}" type="datetimeFigureOut">
               <a:rPr lang="de-DE" smtClean="0"/>
-              <a:t>07.03.2024</a:t>
+              <a:t>21.03.2024</a:t>
             </a:fld>
             <a:endParaRPr lang="de-DE"/>
           </a:p>
@@ -1831,7 +1832,7 @@
           <a:p>
             <a:fld id="{BA9F10B1-9C56-4BE2-B32D-67EA15369E05}" type="datetimeFigureOut">
               <a:rPr lang="de-DE" smtClean="0"/>
-              <a:t>07.03.2024</a:t>
+              <a:t>21.03.2024</a:t>
             </a:fld>
             <a:endParaRPr lang="de-DE"/>
           </a:p>
@@ -1972,7 +1973,7 @@
           <a:p>
             <a:fld id="{BA9F10B1-9C56-4BE2-B32D-67EA15369E05}" type="datetimeFigureOut">
               <a:rPr lang="de-DE" smtClean="0"/>
-              <a:t>07.03.2024</a:t>
+              <a:t>21.03.2024</a:t>
             </a:fld>
             <a:endParaRPr lang="de-DE"/>
           </a:p>
@@ -2085,7 +2086,7 @@
           <a:p>
             <a:fld id="{BA9F10B1-9C56-4BE2-B32D-67EA15369E05}" type="datetimeFigureOut">
               <a:rPr lang="de-DE" smtClean="0"/>
-              <a:t>07.03.2024</a:t>
+              <a:t>21.03.2024</a:t>
             </a:fld>
             <a:endParaRPr lang="de-DE"/>
           </a:p>
@@ -2396,7 +2397,7 @@
           <a:p>
             <a:fld id="{BA9F10B1-9C56-4BE2-B32D-67EA15369E05}" type="datetimeFigureOut">
               <a:rPr lang="de-DE" smtClean="0"/>
-              <a:t>07.03.2024</a:t>
+              <a:t>21.03.2024</a:t>
             </a:fld>
             <a:endParaRPr lang="de-DE"/>
           </a:p>
@@ -2684,7 +2685,7 @@
           <a:p>
             <a:fld id="{BA9F10B1-9C56-4BE2-B32D-67EA15369E05}" type="datetimeFigureOut">
               <a:rPr lang="de-DE" smtClean="0"/>
-              <a:t>07.03.2024</a:t>
+              <a:t>21.03.2024</a:t>
             </a:fld>
             <a:endParaRPr lang="de-DE"/>
           </a:p>
@@ -2925,7 +2926,7 @@
           <a:p>
             <a:fld id="{BA9F10B1-9C56-4BE2-B32D-67EA15369E05}" type="datetimeFigureOut">
               <a:rPr lang="de-DE" smtClean="0"/>
-              <a:t>07.03.2024</a:t>
+              <a:t>21.03.2024</a:t>
             </a:fld>
             <a:endParaRPr lang="de-DE"/>
           </a:p>
@@ -3018,6 +3019,54 @@
               <a:t>‹Nr.›</a:t>
             </a:fld>
             <a:endParaRPr lang="de-DE"/>
+          </a:p>
+        </p:txBody>
+      </p:sp>
+      <p:sp>
+        <p:nvSpPr>
+          <p:cNvPr id="7" name="MSIPCMContentMarking" descr="{&quot;HashCode&quot;:-805589438,&quot;Placement&quot;:&quot;Footer&quot;,&quot;Top&quot;:522.0343,&quot;Left&quot;:459.0882,&quot;SlideWidth&quot;:960,&quot;SlideHeight&quot;:540}">
+            <a:extLst>
+              <a:ext uri="{FF2B5EF4-FFF2-40B4-BE49-F238E27FC236}">
+                <a16:creationId xmlns:a16="http://schemas.microsoft.com/office/drawing/2014/main" id="{1DADB154-96D3-7876-6A90-5F3AD1482DF4}"/>
+              </a:ext>
+            </a:extLst>
+          </p:cNvPr>
+          <p:cNvSpPr txBox="1"/>
+          <p:nvPr userDrawn="1"/>
+        </p:nvSpPr>
+        <p:spPr>
+          <a:xfrm>
+            <a:off x="5830420" y="6629836"/>
+            <a:ext cx="531161" cy="228163"/>
+          </a:xfrm>
+          <a:prstGeom prst="rect">
+            <a:avLst/>
+          </a:prstGeom>
+          <a:noFill/>
+        </p:spPr>
+        <p:txBody>
+          <a:bodyPr vert="horz" wrap="square" lIns="0" tIns="0" rIns="0" bIns="0" rtlCol="0" anchor="ctr" anchorCtr="1">
+            <a:spAutoFit/>
+          </a:bodyPr>
+          <a:lstStyle/>
+          <a:p>
+            <a:pPr algn="ctr">
+              <a:spcBef>
+                <a:spcPts val="0"/>
+              </a:spcBef>
+              <a:spcAft>
+                <a:spcPts val="0"/>
+              </a:spcAft>
+            </a:pPr>
+            <a:r>
+              <a:rPr lang="de-DE" sz="800">
+                <a:solidFill>
+                  <a:srgbClr val="000000"/>
+                </a:solidFill>
+                <a:latin typeface="Calibri" panose="020F0502020204030204" pitchFamily="34" charset="0"/>
+              </a:rPr>
+              <a:t>PUBLIC</a:t>
+            </a:r>
           </a:p>
         </p:txBody>
       </p:sp>
@@ -3365,7 +3414,15 @@
           <a:p>
             <a:r>
               <a:rPr lang="de-DE" dirty="0"/>
-              <a:t>Test</a:t>
+              <a:t>Test für die Remote </a:t>
+            </a:r>
+            <a:r>
+              <a:rPr lang="de-DE" dirty="0" err="1"/>
+              <a:t>Presentation</a:t>
+            </a:r>
+            <a:r>
+              <a:rPr lang="de-DE" dirty="0"/>
+              <a:t> Control</a:t>
             </a:r>
           </a:p>
         </p:txBody>
@@ -3391,7 +3448,10 @@
           <a:bodyPr/>
           <a:lstStyle/>
           <a:p>
-            <a:endParaRPr lang="de-DE"/>
+            <a:r>
+              <a:rPr lang="de-DE" dirty="0"/>
+              <a:t>Programmiert von Lars Richter</a:t>
+            </a:r>
           </a:p>
         </p:txBody>
       </p:sp>
@@ -3448,7 +3508,7 @@
           <a:p>
             <a:r>
               <a:rPr lang="de-DE" dirty="0"/>
-              <a:t>ad</a:t>
+              <a:t>1. Testfolie</a:t>
             </a:r>
           </a:p>
         </p:txBody>
@@ -3474,7 +3534,10 @@
           <a:bodyPr/>
           <a:lstStyle/>
           <a:p>
-            <a:endParaRPr lang="de-DE"/>
+            <a:r>
+              <a:rPr lang="de-DE" dirty="0"/>
+              <a:t>Das ist doch mal ein guter Anfang</a:t>
+            </a:r>
           </a:p>
         </p:txBody>
       </p:sp>
@@ -3530,10 +3593,9 @@
           <a:lstStyle/>
           <a:p>
             <a:r>
-              <a:rPr lang="de-DE" dirty="0" err="1"/>
-              <a:t>awdawd</a:t>
-            </a:r>
-            <a:endParaRPr lang="de-DE" dirty="0"/>
+              <a:rPr lang="de-DE" dirty="0"/>
+              <a:t>2.Testfolie</a:t>
+            </a:r>
           </a:p>
         </p:txBody>
       </p:sp>
@@ -3558,7 +3620,10 @@
           <a:bodyPr/>
           <a:lstStyle/>
           <a:p>
-            <a:endParaRPr lang="de-DE"/>
+            <a:r>
+              <a:rPr lang="de-DE" dirty="0"/>
+              <a:t>Bisher läufts echt gut</a:t>
+            </a:r>
           </a:p>
         </p:txBody>
       </p:sp>
@@ -3614,10 +3679,9 @@
           <a:lstStyle/>
           <a:p>
             <a:r>
-              <a:rPr lang="de-DE" dirty="0" err="1"/>
-              <a:t>awdad</a:t>
-            </a:r>
-            <a:endParaRPr lang="de-DE" dirty="0"/>
+              <a:rPr lang="de-DE" dirty="0"/>
+              <a:t>3.Testfolie</a:t>
+            </a:r>
           </a:p>
         </p:txBody>
       </p:sp>
@@ -3642,7 +3706,10 @@
           <a:bodyPr/>
           <a:lstStyle/>
           <a:p>
-            <a:endParaRPr lang="de-DE"/>
+            <a:r>
+              <a:rPr lang="de-DE" dirty="0"/>
+              <a:t>Halbzeit</a:t>
+            </a:r>
           </a:p>
         </p:txBody>
       </p:sp>
@@ -3698,10 +3765,9 @@
           <a:lstStyle/>
           <a:p>
             <a:r>
-              <a:rPr lang="de-DE" dirty="0" err="1"/>
-              <a:t>awdawd</a:t>
-            </a:r>
-            <a:endParaRPr lang="de-DE" dirty="0"/>
+              <a:rPr lang="de-DE" dirty="0"/>
+              <a:t>4.Testfolie	</a:t>
+            </a:r>
           </a:p>
         </p:txBody>
       </p:sp>
@@ -3726,7 +3792,10 @@
           <a:bodyPr/>
           <a:lstStyle/>
           <a:p>
-            <a:endParaRPr lang="de-DE"/>
+            <a:r>
+              <a:rPr lang="de-DE" dirty="0"/>
+              <a:t>Ich habe es fast geschafft!</a:t>
+            </a:r>
           </a:p>
         </p:txBody>
       </p:sp>
@@ -3782,8 +3851,8 @@
           <a:lstStyle/>
           <a:p>
             <a:r>
-              <a:rPr lang="de-DE"/>
-              <a:t>awdadawddwada</a:t>
+              <a:rPr lang="de-DE" dirty="0"/>
+              <a:t>5.Testfolie</a:t>
             </a:r>
           </a:p>
         </p:txBody>
@@ -3807,16 +3876,190 @@
         <p:spPr/>
         <p:txBody>
           <a:bodyPr/>
-          <a:lstStyle/>
-          <a:p>
-            <a:endParaRPr lang="de-DE"/>
+          <a:lstStyle>
+            <a:lvl1pPr>
+              <a:buFont typeface="Arial" panose="020B0604020202020204" pitchFamily="34" charset="0"/>
+              <a:buChar char="•"/>
+            </a:lvl1pPr>
+            <a:lvl2pPr>
+              <a:buFont typeface="Arial" panose="020B0604020202020204" pitchFamily="34" charset="0"/>
+              <a:buChar char="•"/>
+            </a:lvl2pPr>
+            <a:lvl3pPr>
+              <a:buFont typeface="Arial" panose="020B0604020202020204" pitchFamily="34" charset="0"/>
+              <a:buChar char="•"/>
+            </a:lvl3pPr>
+            <a:lvl4pPr>
+              <a:buFont typeface="Arial" panose="020B0604020202020204" pitchFamily="34" charset="0"/>
+              <a:buChar char="•"/>
+            </a:lvl4pPr>
+            <a:lvl5pPr>
+              <a:buFont typeface="Arial" panose="020B0604020202020204" pitchFamily="34" charset="0"/>
+              <a:buChar char="•"/>
+            </a:lvl5pPr>
+            <a:lvl6pPr>
+              <a:buFont typeface="Arial" panose="020B0604020202020204" pitchFamily="34" charset="0"/>
+              <a:buChar char="•"/>
+            </a:lvl6pPr>
+            <a:lvl7pPr>
+              <a:buFont typeface="Arial" panose="020B0604020202020204" pitchFamily="34" charset="0"/>
+              <a:buChar char="•"/>
+            </a:lvl7pPr>
+            <a:lvl8pPr>
+              <a:buFont typeface="Arial" panose="020B0604020202020204" pitchFamily="34" charset="0"/>
+              <a:buChar char="•"/>
+            </a:lvl8pPr>
+            <a:lvl9pPr>
+              <a:buFont typeface="Arial" panose="020B0604020202020204" pitchFamily="34" charset="0"/>
+              <a:buChar char="•"/>
+            </a:lvl9pPr>
+          </a:lstStyle>
+          <a:p>
+            <a:r>
+              <a:rPr lang="de-DE" dirty="0"/>
+              <a:t>Ich habe es </a:t>
+            </a:r>
+            <a:r>
+              <a:rPr lang="de-DE" dirty="0" err="1"/>
+              <a:t>geschaftt</a:t>
+            </a:r>
+            <a:r>
+              <a:rPr lang="de-DE" dirty="0"/>
+              <a:t>!</a:t>
+            </a:r>
+          </a:p>
+          <a:p>
+            <a:endParaRPr lang="de-DE" dirty="0"/>
+          </a:p>
+          <a:p>
+            <a:r>
+              <a:rPr lang="de-DE" dirty="0"/>
+              <a:t>Lars = Happy</a:t>
+            </a:r>
           </a:p>
         </p:txBody>
       </p:sp>
     </p:spTree>
     <p:extLst>
       <p:ext uri="{BB962C8B-B14F-4D97-AF65-F5344CB8AC3E}">
-        <p14:creationId xmlns:p14="http://schemas.microsoft.com/office/powerpoint/2010/main" val="2925945161"/>
+        <p14:creationId xmlns:p14="http://schemas.microsoft.com/office/powerpoint/2010/main" val="1589600948"/>
+      </p:ext>
+    </p:extLst>
+  </p:cSld>
+  <p:clrMapOvr>
+    <a:masterClrMapping/>
+  </p:clrMapOvr>
+</p:sld>
+</file>
+
+<file path=ppt/slides/slide7.xml><?xml version="1.0" encoding="utf-8"?>
+<p:sld xmlns:a="http://schemas.openxmlformats.org/drawingml/2006/main" xmlns:r="http://schemas.openxmlformats.org/officeDocument/2006/relationships" xmlns:p="http://schemas.openxmlformats.org/presentationml/2006/main">
+  <p:cSld>
+    <p:spTree>
+      <p:nvGrpSpPr>
+        <p:cNvPr id="1" name=""/>
+        <p:cNvGrpSpPr/>
+        <p:nvPr/>
+      </p:nvGrpSpPr>
+      <p:grpSpPr>
+        <a:xfrm>
+          <a:off x="0" y="0"/>
+          <a:ext cx="0" cy="0"/>
+          <a:chOff x="0" y="0"/>
+          <a:chExt cx="0" cy="0"/>
+        </a:xfrm>
+      </p:grpSpPr>
+      <p:sp>
+        <p:nvSpPr>
+          <p:cNvPr id="2" name="Titel 1">
+            <a:extLst>
+              <a:ext uri="{FF2B5EF4-FFF2-40B4-BE49-F238E27FC236}">
+                <a16:creationId xmlns:a16="http://schemas.microsoft.com/office/drawing/2014/main" id="{6D2C3E13-37FE-450B-DF91-8CB1F21CF325}"/>
+              </a:ext>
+            </a:extLst>
+          </p:cNvPr>
+          <p:cNvSpPr>
+            <a:spLocks noGrp="1"/>
+          </p:cNvSpPr>
+          <p:nvPr>
+            <p:ph type="title"/>
+          </p:nvPr>
+        </p:nvSpPr>
+        <p:spPr/>
+        <p:txBody>
+          <a:bodyPr/>
+          <a:lstStyle/>
+          <a:p>
+            <a:r>
+              <a:rPr lang="de-DE" dirty="0"/>
+              <a:t>Grüße </a:t>
+            </a:r>
+            <a:r>
+              <a:rPr lang="de-DE"/>
+              <a:t>gehen raus an Vivi</a:t>
+            </a:r>
+            <a:endParaRPr lang="de-DE" dirty="0"/>
+          </a:p>
+        </p:txBody>
+      </p:sp>
+      <p:sp>
+        <p:nvSpPr>
+          <p:cNvPr id="4" name="Herz 3">
+            <a:extLst>
+              <a:ext uri="{FF2B5EF4-FFF2-40B4-BE49-F238E27FC236}">
+                <a16:creationId xmlns:a16="http://schemas.microsoft.com/office/drawing/2014/main" id="{806B9FF2-EB1F-0761-A81E-34759D5B5AA6}"/>
+              </a:ext>
+            </a:extLst>
+          </p:cNvPr>
+          <p:cNvSpPr/>
+          <p:nvPr/>
+        </p:nvSpPr>
+        <p:spPr>
+          <a:xfrm>
+            <a:off x="2566931" y="1894480"/>
+            <a:ext cx="6885542" cy="3646583"/>
+          </a:xfrm>
+          <a:prstGeom prst="heart">
+            <a:avLst/>
+          </a:prstGeom>
+          <a:solidFill>
+            <a:srgbClr val="FF0000"/>
+          </a:solidFill>
+          <a:ln w="76200">
+            <a:solidFill>
+              <a:srgbClr val="C00000"/>
+            </a:solidFill>
+          </a:ln>
+        </p:spPr>
+        <p:style>
+          <a:lnRef idx="2">
+            <a:schemeClr val="accent1">
+              <a:shade val="50000"/>
+            </a:schemeClr>
+          </a:lnRef>
+          <a:fillRef idx="1">
+            <a:schemeClr val="accent1"/>
+          </a:fillRef>
+          <a:effectRef idx="0">
+            <a:schemeClr val="accent1"/>
+          </a:effectRef>
+          <a:fontRef idx="minor">
+            <a:schemeClr val="lt1"/>
+          </a:fontRef>
+        </p:style>
+        <p:txBody>
+          <a:bodyPr rtlCol="0" anchor="ctr"/>
+          <a:lstStyle/>
+          <a:p>
+            <a:pPr algn="ctr"/>
+            <a:endParaRPr lang="de-DE"/>
+          </a:p>
+        </p:txBody>
+      </p:sp>
+    </p:spTree>
+    <p:extLst>
+      <p:ext uri="{BB962C8B-B14F-4D97-AF65-F5344CB8AC3E}">
+        <p14:creationId xmlns:p14="http://schemas.microsoft.com/office/powerpoint/2010/main" val="3302268949"/>
       </p:ext>
     </p:extLst>
   </p:cSld>
